--- a/assets uarm/2023 2 UarmPCrit/Kant - Essay on maladies of the head.pptx
+++ b/assets uarm/2023 2 UarmPCrit/Kant - Essay on maladies of the head.pptx
@@ -124,6 +124,11 @@
       </a:defRPr>
     </a:lvl9pPr>
   </p:defaultTextStyle>
+  <p:extLst>
+    <p:ext uri="{EFAFB233-063F-42B5-8137-9DF3F51BA10A}">
+      <p15:sldGuideLst xmlns:p15="http://schemas.microsoft.com/office/powerpoint/2012/main"/>
+    </p:ext>
+  </p:extLst>
 </p:presentation>
 </file>
 
@@ -258,7 +263,7 @@
           <a:p>
             <a:fld id="{78069712-D897-4186-B940-61CE64542C64}" type="datetimeFigureOut">
               <a:rPr lang="es-PE" smtClean="0"/>
-              <a:t>17/09/2023</a:t>
+              <a:t>2/11/2023</a:t>
             </a:fld>
             <a:endParaRPr lang="es-PE"/>
           </a:p>
@@ -428,7 +433,7 @@
           <a:p>
             <a:fld id="{78069712-D897-4186-B940-61CE64542C64}" type="datetimeFigureOut">
               <a:rPr lang="es-PE" smtClean="0"/>
-              <a:t>17/09/2023</a:t>
+              <a:t>2/11/2023</a:t>
             </a:fld>
             <a:endParaRPr lang="es-PE"/>
           </a:p>
@@ -608,7 +613,7 @@
           <a:p>
             <a:fld id="{78069712-D897-4186-B940-61CE64542C64}" type="datetimeFigureOut">
               <a:rPr lang="es-PE" smtClean="0"/>
-              <a:t>17/09/2023</a:t>
+              <a:t>2/11/2023</a:t>
             </a:fld>
             <a:endParaRPr lang="es-PE"/>
           </a:p>
@@ -778,7 +783,7 @@
           <a:p>
             <a:fld id="{78069712-D897-4186-B940-61CE64542C64}" type="datetimeFigureOut">
               <a:rPr lang="es-PE" smtClean="0"/>
-              <a:t>17/09/2023</a:t>
+              <a:t>2/11/2023</a:t>
             </a:fld>
             <a:endParaRPr lang="es-PE"/>
           </a:p>
@@ -1024,7 +1029,7 @@
           <a:p>
             <a:fld id="{78069712-D897-4186-B940-61CE64542C64}" type="datetimeFigureOut">
               <a:rPr lang="es-PE" smtClean="0"/>
-              <a:t>17/09/2023</a:t>
+              <a:t>2/11/2023</a:t>
             </a:fld>
             <a:endParaRPr lang="es-PE"/>
           </a:p>
@@ -1256,7 +1261,7 @@
           <a:p>
             <a:fld id="{78069712-D897-4186-B940-61CE64542C64}" type="datetimeFigureOut">
               <a:rPr lang="es-PE" smtClean="0"/>
-              <a:t>17/09/2023</a:t>
+              <a:t>2/11/2023</a:t>
             </a:fld>
             <a:endParaRPr lang="es-PE"/>
           </a:p>
@@ -1623,7 +1628,7 @@
           <a:p>
             <a:fld id="{78069712-D897-4186-B940-61CE64542C64}" type="datetimeFigureOut">
               <a:rPr lang="es-PE" smtClean="0"/>
-              <a:t>17/09/2023</a:t>
+              <a:t>2/11/2023</a:t>
             </a:fld>
             <a:endParaRPr lang="es-PE"/>
           </a:p>
@@ -1741,7 +1746,7 @@
           <a:p>
             <a:fld id="{78069712-D897-4186-B940-61CE64542C64}" type="datetimeFigureOut">
               <a:rPr lang="es-PE" smtClean="0"/>
-              <a:t>17/09/2023</a:t>
+              <a:t>2/11/2023</a:t>
             </a:fld>
             <a:endParaRPr lang="es-PE"/>
           </a:p>
@@ -1836,7 +1841,7 @@
           <a:p>
             <a:fld id="{78069712-D897-4186-B940-61CE64542C64}" type="datetimeFigureOut">
               <a:rPr lang="es-PE" smtClean="0"/>
-              <a:t>17/09/2023</a:t>
+              <a:t>2/11/2023</a:t>
             </a:fld>
             <a:endParaRPr lang="es-PE"/>
           </a:p>
@@ -2113,7 +2118,7 @@
           <a:p>
             <a:fld id="{78069712-D897-4186-B940-61CE64542C64}" type="datetimeFigureOut">
               <a:rPr lang="es-PE" smtClean="0"/>
-              <a:t>17/09/2023</a:t>
+              <a:t>2/11/2023</a:t>
             </a:fld>
             <a:endParaRPr lang="es-PE"/>
           </a:p>
@@ -2366,7 +2371,7 @@
           <a:p>
             <a:fld id="{78069712-D897-4186-B940-61CE64542C64}" type="datetimeFigureOut">
               <a:rPr lang="es-PE" smtClean="0"/>
-              <a:t>17/09/2023</a:t>
+              <a:t>2/11/2023</a:t>
             </a:fld>
             <a:endParaRPr lang="es-PE"/>
           </a:p>
@@ -2579,7 +2584,7 @@
           <a:p>
             <a:fld id="{78069712-D897-4186-B940-61CE64542C64}" type="datetimeFigureOut">
               <a:rPr lang="es-PE" smtClean="0"/>
-              <a:t>17/09/2023</a:t>
+              <a:t>2/11/2023</a:t>
             </a:fld>
             <a:endParaRPr lang="es-PE"/>
           </a:p>
@@ -6807,6 +6812,36 @@
           </a:p>
         </p:txBody>
       </p:sp>
+      <p:sp>
+        <p:nvSpPr>
+          <p:cNvPr id="7" name="CuadroTexto 6"/>
+          <p:cNvSpPr txBox="1"/>
+          <p:nvPr/>
+        </p:nvSpPr>
+        <p:spPr>
+          <a:xfrm>
+            <a:off x="5703376" y="6276814"/>
+            <a:ext cx="1084882" cy="369332"/>
+          </a:xfrm>
+          <a:prstGeom prst="rect">
+            <a:avLst/>
+          </a:prstGeom>
+          <a:noFill/>
+        </p:spPr>
+        <p:txBody>
+          <a:bodyPr wrap="square" rtlCol="0">
+            <a:spAutoFit/>
+          </a:bodyPr>
+          <a:lstStyle/>
+          <a:p>
+            <a:r>
+              <a:rPr lang="es-PE" dirty="0" smtClean="0"/>
+              <a:t>p.65</a:t>
+            </a:r>
+            <a:endParaRPr lang="es-PE" dirty="0"/>
+          </a:p>
+        </p:txBody>
+      </p:sp>
     </p:spTree>
     <p:extLst>
       <p:ext uri="{BB962C8B-B14F-4D97-AF65-F5344CB8AC3E}">
